--- a/2015备课/课件/第9章  结构体与共用体.pptx
+++ b/2015备课/课件/第9章  结构体与共用体.pptx
@@ -22985,15 +22985,42 @@
           <a:p>
             <a:pPr algn="l"/>
             <a:r>
-              <a:rPr lang="en-US" sz="2000">
+              <a:rPr lang="en-US" sz="2000" dirty="0" err="1">
                 <a:solidFill>
                   <a:srgbClr val="3333FF"/>
                 </a:solidFill>
                 <a:sym typeface="Tahoma" pitchFamily="34" charset="0"/>
               </a:rPr>
-              <a:t>struct data {   int a, b, c; };</a:t>
-            </a:r>
-            <a:endParaRPr lang="zh-CN" altLang="en-US" sz="2000">
+              <a:t>struct</a:t>
+            </a:r>
+            <a:r>
+              <a:rPr lang="en-US" sz="2000" dirty="0">
+                <a:solidFill>
+                  <a:srgbClr val="3333FF"/>
+                </a:solidFill>
+                <a:sym typeface="Tahoma" pitchFamily="34" charset="0"/>
+              </a:rPr>
+              <a:t> data {   </a:t>
+            </a:r>
+            <a:r>
+              <a:rPr lang="en-US" sz="2000" dirty="0" err="1">
+                <a:solidFill>
+                  <a:srgbClr val="3333FF"/>
+                </a:solidFill>
+                <a:sym typeface="Tahoma" pitchFamily="34" charset="0"/>
+              </a:rPr>
+              <a:t>int</a:t>
+            </a:r>
+            <a:r>
+              <a:rPr lang="en-US" sz="2000" dirty="0">
+                <a:solidFill>
+                  <a:srgbClr val="3333FF"/>
+                </a:solidFill>
+                <a:sym typeface="Tahoma" pitchFamily="34" charset="0"/>
+              </a:rPr>
+              <a:t> a, b, c; };</a:t>
+            </a:r>
+            <a:endParaRPr lang="zh-CN" altLang="en-US" sz="2000" dirty="0">
               <a:solidFill>
                 <a:srgbClr val="3333FF"/>
               </a:solidFill>
@@ -23003,28 +23030,181 @@
           <a:p>
             <a:pPr algn="l"/>
             <a:r>
-              <a:rPr lang="en-US" sz="2000">
-                <a:solidFill>
-                  <a:srgbClr val="545472"/>
-                </a:solidFill>
-                <a:sym typeface="Tahoma" pitchFamily="34" charset="0"/>
-              </a:rPr>
-              <a:t>void main( )  {   struct data arg;  arg.a=27;   arg.b=3;    arg.c=arg.a+arg.b;</a:t>
+              <a:rPr lang="en-US" sz="2000" dirty="0">
+                <a:solidFill>
+                  <a:srgbClr val="545472"/>
+                </a:solidFill>
+                <a:sym typeface="Tahoma" pitchFamily="34" charset="0"/>
+              </a:rPr>
+              <a:t>void main( )  {   </a:t>
+            </a:r>
+            <a:r>
+              <a:rPr lang="en-US" sz="2000" dirty="0" err="1" smtClean="0">
+                <a:solidFill>
+                  <a:srgbClr val="545472"/>
+                </a:solidFill>
+                <a:sym typeface="Tahoma" pitchFamily="34" charset="0"/>
+              </a:rPr>
+              <a:t>struct</a:t>
+            </a:r>
+            <a:r>
+              <a:rPr lang="en-US" sz="2000" dirty="0" smtClean="0">
+                <a:solidFill>
+                  <a:srgbClr val="545472"/>
+                </a:solidFill>
+                <a:sym typeface="Tahoma" pitchFamily="34" charset="0"/>
+              </a:rPr>
+              <a:t> </a:t>
+            </a:r>
+            <a:r>
+              <a:rPr lang="en-US" sz="2000" dirty="0">
+                <a:solidFill>
+                  <a:srgbClr val="545472"/>
+                </a:solidFill>
+                <a:sym typeface="Tahoma" pitchFamily="34" charset="0"/>
+              </a:rPr>
+              <a:t>data </a:t>
+            </a:r>
+            <a:r>
+              <a:rPr lang="en-US" sz="2000" dirty="0" err="1">
+                <a:solidFill>
+                  <a:srgbClr val="545472"/>
+                </a:solidFill>
+                <a:sym typeface="Tahoma" pitchFamily="34" charset="0"/>
+              </a:rPr>
+              <a:t>arg</a:t>
+            </a:r>
+            <a:r>
+              <a:rPr lang="en-US" sz="2000" dirty="0">
+                <a:solidFill>
+                  <a:srgbClr val="545472"/>
+                </a:solidFill>
+                <a:sym typeface="Tahoma" pitchFamily="34" charset="0"/>
+              </a:rPr>
+              <a:t>;  </a:t>
+            </a:r>
+            <a:r>
+              <a:rPr lang="en-US" sz="2000" dirty="0" err="1">
+                <a:solidFill>
+                  <a:srgbClr val="545472"/>
+                </a:solidFill>
+                <a:sym typeface="Tahoma" pitchFamily="34" charset="0"/>
+              </a:rPr>
+              <a:t>arg.a</a:t>
+            </a:r>
+            <a:r>
+              <a:rPr lang="en-US" sz="2000" dirty="0">
+                <a:solidFill>
+                  <a:srgbClr val="545472"/>
+                </a:solidFill>
+                <a:sym typeface="Tahoma" pitchFamily="34" charset="0"/>
+              </a:rPr>
+              <a:t>=27;   </a:t>
+            </a:r>
+            <a:r>
+              <a:rPr lang="en-US" sz="2000" dirty="0" err="1">
+                <a:solidFill>
+                  <a:srgbClr val="545472"/>
+                </a:solidFill>
+                <a:sym typeface="Tahoma" pitchFamily="34" charset="0"/>
+              </a:rPr>
+              <a:t>arg.b</a:t>
+            </a:r>
+            <a:r>
+              <a:rPr lang="en-US" sz="2000" dirty="0">
+                <a:solidFill>
+                  <a:srgbClr val="545472"/>
+                </a:solidFill>
+                <a:sym typeface="Tahoma" pitchFamily="34" charset="0"/>
+              </a:rPr>
+              <a:t>=3;    </a:t>
+            </a:r>
+            <a:r>
+              <a:rPr lang="en-US" sz="2000" dirty="0" err="1">
+                <a:solidFill>
+                  <a:srgbClr val="545472"/>
+                </a:solidFill>
+                <a:sym typeface="Tahoma" pitchFamily="34" charset="0"/>
+              </a:rPr>
+              <a:t>arg.c</a:t>
+            </a:r>
+            <a:r>
+              <a:rPr lang="en-US" sz="2000" dirty="0">
+                <a:solidFill>
+                  <a:srgbClr val="545472"/>
+                </a:solidFill>
+                <a:sym typeface="Tahoma" pitchFamily="34" charset="0"/>
+              </a:rPr>
+              <a:t>=</a:t>
+            </a:r>
+            <a:r>
+              <a:rPr lang="en-US" sz="2000" dirty="0" err="1">
+                <a:solidFill>
+                  <a:srgbClr val="545472"/>
+                </a:solidFill>
+                <a:sym typeface="Tahoma" pitchFamily="34" charset="0"/>
+              </a:rPr>
+              <a:t>arg.a+arg.b</a:t>
+            </a:r>
+            <a:r>
+              <a:rPr lang="en-US" sz="2000" dirty="0">
+                <a:solidFill>
+                  <a:srgbClr val="545472"/>
+                </a:solidFill>
+                <a:sym typeface="Tahoma" pitchFamily="34" charset="0"/>
+              </a:rPr>
+              <a:t>;</a:t>
             </a:r>
           </a:p>
           <a:p>
             <a:pPr algn="l"/>
             <a:r>
-              <a:rPr lang="en-US" sz="2000">
+              <a:rPr lang="en-US" sz="2000" dirty="0">
                 <a:solidFill>
                   <a:srgbClr val="FF0000"/>
                 </a:solidFill>
                 <a:sym typeface="Tahoma" pitchFamily="34" charset="0"/>
               </a:rPr>
-              <a:t>    func(arg);</a:t>
-            </a:r>
-            <a:r>
-              <a:rPr lang="en-US" sz="2000">
+              <a:t>    </a:t>
+            </a:r>
+            <a:r>
+              <a:rPr lang="en-US" sz="2000" dirty="0" err="1">
+                <a:solidFill>
+                  <a:srgbClr val="FF0000"/>
+                </a:solidFill>
+                <a:sym typeface="Tahoma" pitchFamily="34" charset="0"/>
+              </a:rPr>
+              <a:t>func</a:t>
+            </a:r>
+            <a:r>
+              <a:rPr lang="en-US" sz="2000" dirty="0">
+                <a:solidFill>
+                  <a:srgbClr val="FF0000"/>
+                </a:solidFill>
+                <a:sym typeface="Tahoma" pitchFamily="34" charset="0"/>
+              </a:rPr>
+              <a:t>(</a:t>
+            </a:r>
+            <a:r>
+              <a:rPr lang="en-US" sz="2000" dirty="0" err="1">
+                <a:solidFill>
+                  <a:srgbClr val="FF0000"/>
+                </a:solidFill>
+                <a:sym typeface="Tahoma" pitchFamily="34" charset="0"/>
+              </a:rPr>
+              <a:t>arg</a:t>
+            </a:r>
+            <a:r>
+              <a:rPr lang="en-US" sz="2000" dirty="0">
+                <a:solidFill>
+                  <a:srgbClr val="FF0000"/>
+                </a:solidFill>
+                <a:sym typeface="Tahoma" pitchFamily="34" charset="0"/>
+              </a:rPr>
+              <a:t>);</a:t>
+            </a:r>
+            <a:r>
+              <a:rPr lang="en-US" sz="2000" dirty="0">
                 <a:solidFill>
                   <a:srgbClr val="545472"/>
                 </a:solidFill>
@@ -23036,22 +23216,166 @@
           <a:p>
             <a:pPr algn="l"/>
             <a:r>
-              <a:rPr lang="en-US" sz="2000">
+              <a:rPr lang="en-US" sz="2000" dirty="0">
                 <a:solidFill>
                   <a:srgbClr val="FF0000"/>
                 </a:solidFill>
                 <a:sym typeface="Tahoma" pitchFamily="34" charset="0"/>
               </a:rPr>
-              <a:t>void func(struct data  parm)</a:t>
-            </a:r>
-            <a:r>
-              <a:rPr lang="en-US" sz="2000">
-                <a:solidFill>
-                  <a:srgbClr val="545472"/>
-                </a:solidFill>
-                <a:sym typeface="Tahoma" pitchFamily="34" charset="0"/>
-              </a:rPr>
-              <a:t>  {parm.a=18;     parm.b=5;    parm.c=parm.a*parm.b; }</a:t>
+              <a:t>void </a:t>
+            </a:r>
+            <a:r>
+              <a:rPr lang="en-US" sz="2000" dirty="0" err="1">
+                <a:solidFill>
+                  <a:srgbClr val="FF0000"/>
+                </a:solidFill>
+                <a:sym typeface="Tahoma" pitchFamily="34" charset="0"/>
+              </a:rPr>
+              <a:t>func</a:t>
+            </a:r>
+            <a:r>
+              <a:rPr lang="en-US" sz="2000" dirty="0">
+                <a:solidFill>
+                  <a:srgbClr val="FF0000"/>
+                </a:solidFill>
+                <a:sym typeface="Tahoma" pitchFamily="34" charset="0"/>
+              </a:rPr>
+              <a:t>(</a:t>
+            </a:r>
+            <a:r>
+              <a:rPr lang="en-US" sz="2000" dirty="0" err="1">
+                <a:solidFill>
+                  <a:srgbClr val="FF0000"/>
+                </a:solidFill>
+                <a:sym typeface="Tahoma" pitchFamily="34" charset="0"/>
+              </a:rPr>
+              <a:t>struct</a:t>
+            </a:r>
+            <a:r>
+              <a:rPr lang="en-US" sz="2000" dirty="0">
+                <a:solidFill>
+                  <a:srgbClr val="FF0000"/>
+                </a:solidFill>
+                <a:sym typeface="Tahoma" pitchFamily="34" charset="0"/>
+              </a:rPr>
+              <a:t> data  </a:t>
+            </a:r>
+            <a:r>
+              <a:rPr lang="en-US" sz="2000" dirty="0" err="1">
+                <a:solidFill>
+                  <a:srgbClr val="FF0000"/>
+                </a:solidFill>
+                <a:sym typeface="Tahoma" pitchFamily="34" charset="0"/>
+              </a:rPr>
+              <a:t>parm</a:t>
+            </a:r>
+            <a:r>
+              <a:rPr lang="en-US" sz="2000" dirty="0">
+                <a:solidFill>
+                  <a:srgbClr val="FF0000"/>
+                </a:solidFill>
+                <a:sym typeface="Tahoma" pitchFamily="34" charset="0"/>
+              </a:rPr>
+              <a:t>)</a:t>
+            </a:r>
+            <a:r>
+              <a:rPr lang="en-US" sz="2000" dirty="0">
+                <a:solidFill>
+                  <a:srgbClr val="545472"/>
+                </a:solidFill>
+                <a:sym typeface="Tahoma" pitchFamily="34" charset="0"/>
+              </a:rPr>
+              <a:t>  {</a:t>
+            </a:r>
+            <a:r>
+              <a:rPr lang="en-US" sz="2000" dirty="0" err="1">
+                <a:solidFill>
+                  <a:srgbClr val="545472"/>
+                </a:solidFill>
+                <a:sym typeface="Tahoma" pitchFamily="34" charset="0"/>
+              </a:rPr>
+              <a:t>parm.a</a:t>
+            </a:r>
+            <a:r>
+              <a:rPr lang="en-US" sz="2000" dirty="0">
+                <a:solidFill>
+                  <a:srgbClr val="545472"/>
+                </a:solidFill>
+                <a:sym typeface="Tahoma" pitchFamily="34" charset="0"/>
+              </a:rPr>
+              <a:t>=18;     </a:t>
+            </a:r>
+            <a:r>
+              <a:rPr lang="en-US" sz="2000" dirty="0" err="1">
+                <a:solidFill>
+                  <a:srgbClr val="545472"/>
+                </a:solidFill>
+                <a:sym typeface="Tahoma" pitchFamily="34" charset="0"/>
+              </a:rPr>
+              <a:t>parm.b</a:t>
+            </a:r>
+            <a:r>
+              <a:rPr lang="en-US" sz="2000" dirty="0">
+                <a:solidFill>
+                  <a:srgbClr val="545472"/>
+                </a:solidFill>
+                <a:sym typeface="Tahoma" pitchFamily="34" charset="0"/>
+              </a:rPr>
+              <a:t>=5;    </a:t>
+            </a:r>
+            <a:r>
+              <a:rPr lang="en-US" sz="2000" dirty="0" err="1">
+                <a:solidFill>
+                  <a:srgbClr val="545472"/>
+                </a:solidFill>
+                <a:sym typeface="Tahoma" pitchFamily="34" charset="0"/>
+              </a:rPr>
+              <a:t>parm.c</a:t>
+            </a:r>
+            <a:r>
+              <a:rPr lang="en-US" sz="2000" dirty="0">
+                <a:solidFill>
+                  <a:srgbClr val="545472"/>
+                </a:solidFill>
+                <a:sym typeface="Tahoma" pitchFamily="34" charset="0"/>
+              </a:rPr>
+              <a:t>=</a:t>
+            </a:r>
+            <a:r>
+              <a:rPr lang="en-US" sz="2000" dirty="0" err="1">
+                <a:solidFill>
+                  <a:srgbClr val="545472"/>
+                </a:solidFill>
+                <a:sym typeface="Tahoma" pitchFamily="34" charset="0"/>
+              </a:rPr>
+              <a:t>parm.a</a:t>
+            </a:r>
+            <a:r>
+              <a:rPr lang="en-US" sz="2000" dirty="0">
+                <a:solidFill>
+                  <a:srgbClr val="545472"/>
+                </a:solidFill>
+                <a:sym typeface="Tahoma" pitchFamily="34" charset="0"/>
+              </a:rPr>
+              <a:t>*</a:t>
+            </a:r>
+            <a:r>
+              <a:rPr lang="en-US" sz="2000" dirty="0" err="1">
+                <a:solidFill>
+                  <a:srgbClr val="545472"/>
+                </a:solidFill>
+                <a:sym typeface="Tahoma" pitchFamily="34" charset="0"/>
+              </a:rPr>
+              <a:t>parm.b</a:t>
+            </a:r>
+            <a:r>
+              <a:rPr lang="en-US" sz="2000" dirty="0">
+                <a:solidFill>
+                  <a:srgbClr val="545472"/>
+                </a:solidFill>
+                <a:sym typeface="Tahoma" pitchFamily="34" charset="0"/>
+              </a:rPr>
+              <a:t>; }</a:t>
             </a:r>
           </a:p>
         </p:txBody>

--- a/2015备课/课件/第9章  结构体与共用体.pptx
+++ b/2015备课/课件/第9章  结构体与共用体.pptx
@@ -22382,12 +22382,28 @@
               <a:buChar char="u"/>
             </a:pPr>
             <a:r>
+              <a:rPr lang="zh-CN" altLang="en-US" sz="2400" b="1" dirty="0">
+                <a:solidFill>
+                  <a:srgbClr val="3333FF"/>
+                </a:solidFill>
+              </a:rPr>
+              <a:t>结</a:t>
+            </a:r>
+            <a:r>
+              <a:rPr lang="zh-CN" altLang="en-US" sz="2400" b="1" smtClean="0">
+                <a:solidFill>
+                  <a:srgbClr val="3333FF"/>
+                </a:solidFill>
+              </a:rPr>
+              <a:t>构体</a:t>
+            </a:r>
+            <a:r>
               <a:rPr lang="zh-CN" altLang="en-US" sz="2400" b="1" dirty="0" smtClean="0">
                 <a:solidFill>
                   <a:srgbClr val="3333FF"/>
                 </a:solidFill>
               </a:rPr>
-              <a:t>机构体作为函数参数</a:t>
+              <a:t>作为函数参数</a:t>
             </a:r>
             <a:endParaRPr lang="en-US" altLang="zh-CN" sz="2400" b="1" dirty="0" smtClean="0">
               <a:solidFill>
@@ -47668,15 +47684,7 @@
             </a:r>
             <a:r>
               <a:rPr lang="zh-CN" altLang="en-US" dirty="0" smtClean="0"/>
-              <a:t>，</a:t>
-            </a:r>
-            <a:r>
-              <a:rPr lang="zh-CN" altLang="en-US" dirty="0" smtClean="0"/>
-              <a:t>如：</a:t>
-            </a:r>
-            <a:r>
-              <a:rPr lang="zh-CN" altLang="en-US" dirty="0" smtClean="0"/>
-              <a:t>已</a:t>
+              <a:t>，如：已</a:t>
             </a:r>
             <a:r>
               <a:rPr lang="zh-CN" altLang="en-US" dirty="0"/>
@@ -47700,11 +47708,7 @@
             </a:r>
             <a:r>
               <a:rPr lang="en-US" altLang="zh-CN" dirty="0" smtClean="0"/>
-              <a:t>           </a:t>
-            </a:r>
-            <a:r>
-              <a:rPr lang="en-US" altLang="zh-CN" dirty="0" smtClean="0"/>
-              <a:t>identifier</a:t>
+              <a:t>           identifier</a:t>
             </a:r>
             <a:r>
               <a:rPr lang="zh-CN" altLang="en-US" dirty="0"/>
